--- a/slides/Project_Presentation_v1_12.06.2025.pptx
+++ b/slides/Project_Presentation_v1_12.06.2025.pptx
@@ -6658,12 +6658,17 @@
             </a:pPr>
             <a:r>
               <a:rPr lang="en-GB" sz="1600" dirty="0"/>
-              <a:t>Learning Rate: </a:t>
-            </a:r>
-            <a:r>
-              <a:rPr lang="en-GB" sz="1600" b="1" dirty="0"/>
-              <a:t>0.0005</a:t>
-            </a:r>
+              <a:t>Learning Rate</a:t>
+            </a:r>
+            <a:r>
+              <a:rPr lang="en-GB" sz="1600"/>
+              <a:t>: </a:t>
+            </a:r>
+            <a:r>
+              <a:rPr lang="en-GB" sz="1600" b="1"/>
+              <a:t>0.005</a:t>
+            </a:r>
+            <a:endParaRPr lang="en-GB" sz="1600" b="1" dirty="0"/>
           </a:p>
           <a:p>
             <a:pPr marL="285750" indent="-285750">
@@ -6682,13 +6687,8 @@
             </a:pPr>
             <a:r>
               <a:rPr lang="el-GR" sz="1600" dirty="0"/>
-              <a:t>Εικόνες</a:t>
-            </a:r>
-            <a:r>
-              <a:rPr lang="el-GR" sz="1600"/>
-              <a:t>: 128×128</a:t>
-            </a:r>
-            <a:endParaRPr lang="el-GR" sz="1600" dirty="0"/>
+              <a:t>Εικόνες: 128×128</a:t>
+            </a:r>
           </a:p>
           <a:p>
             <a:pPr marL="285750" indent="-285750">
@@ -6910,6 +6910,36 @@
           </a:p>
         </p:txBody>
       </p:sp>
+      <p:pic>
+        <p:nvPicPr>
+          <p:cNvPr id="3" name="Picture 2" descr="A graph of different colored lines&#10;&#10;AI-generated content may be incorrect.">
+            <a:extLst>
+              <a:ext uri="{FF2B5EF4-FFF2-40B4-BE49-F238E27FC236}">
+                <a16:creationId xmlns:a16="http://schemas.microsoft.com/office/drawing/2014/main" id="{2CE822E9-6A3B-DA13-4850-8E4FA8FA5FF8}"/>
+              </a:ext>
+            </a:extLst>
+          </p:cNvPr>
+          <p:cNvPicPr>
+            <a:picLocks noChangeAspect="1"/>
+          </p:cNvPicPr>
+          <p:nvPr/>
+        </p:nvPicPr>
+        <p:blipFill>
+          <a:blip r:embed="rId2"/>
+          <a:stretch>
+            <a:fillRect/>
+          </a:stretch>
+        </p:blipFill>
+        <p:spPr>
+          <a:xfrm>
+            <a:off x="4735286" y="1501775"/>
+            <a:ext cx="4425306" cy="2932142"/>
+          </a:xfrm>
+          <a:prstGeom prst="rect">
+            <a:avLst/>
+          </a:prstGeom>
+        </p:spPr>
+      </p:pic>
     </p:spTree>
     <p:extLst>
       <p:ext uri="{BB962C8B-B14F-4D97-AF65-F5344CB8AC3E}">
@@ -8018,7 +8048,12 @@
             <p:ph type="title"/>
           </p:nvPr>
         </p:nvSpPr>
-        <p:spPr/>
+        <p:spPr>
+          <a:xfrm>
+            <a:off x="1603121" y="312316"/>
+            <a:ext cx="5937755" cy="1188720"/>
+          </a:xfrm>
+        </p:spPr>
         <p:txBody>
           <a:bodyPr/>
           <a:lstStyle/>
@@ -8084,7 +8119,12 @@
             <p:ph idx="1"/>
           </p:nvPr>
         </p:nvSpPr>
-        <p:spPr/>
+        <p:spPr>
+          <a:xfrm>
+            <a:off x="1603121" y="1706617"/>
+            <a:ext cx="5937755" cy="1596498"/>
+          </a:xfrm>
+        </p:spPr>
         <p:txBody>
           <a:bodyPr/>
           <a:lstStyle/>
@@ -8130,6 +8170,36 @@
           </a:p>
         </p:txBody>
       </p:sp>
+      <p:pic>
+        <p:nvPicPr>
+          <p:cNvPr id="4" name="Picture 3" descr="A graph of different colored lines&#10;&#10;AI-generated content may be incorrect.">
+            <a:extLst>
+              <a:ext uri="{FF2B5EF4-FFF2-40B4-BE49-F238E27FC236}">
+                <a16:creationId xmlns:a16="http://schemas.microsoft.com/office/drawing/2014/main" id="{2B1F6728-9650-F47B-7D89-F9FBB255A138}"/>
+              </a:ext>
+            </a:extLst>
+          </p:cNvPr>
+          <p:cNvPicPr>
+            <a:picLocks noChangeAspect="1"/>
+          </p:cNvPicPr>
+          <p:nvPr/>
+        </p:nvPicPr>
+        <p:blipFill>
+          <a:blip r:embed="rId2"/>
+          <a:stretch>
+            <a:fillRect/>
+          </a:stretch>
+        </p:blipFill>
+        <p:spPr>
+          <a:xfrm>
+            <a:off x="2164895" y="3429000"/>
+            <a:ext cx="4552950" cy="2978150"/>
+          </a:xfrm>
+          <a:prstGeom prst="rect">
+            <a:avLst/>
+          </a:prstGeom>
+        </p:spPr>
+      </p:pic>
     </p:spTree>
   </p:cSld>
   <p:clrMapOvr>
@@ -8165,7 +8235,12 @@
             <p:ph type="title"/>
           </p:nvPr>
         </p:nvSpPr>
-        <p:spPr/>
+        <p:spPr>
+          <a:xfrm>
+            <a:off x="1606045" y="370332"/>
+            <a:ext cx="5937755" cy="1188720"/>
+          </a:xfrm>
+        </p:spPr>
         <p:txBody>
           <a:bodyPr/>
           <a:lstStyle/>
@@ -8208,9 +8283,16 @@
             <p:ph idx="1"/>
           </p:nvPr>
         </p:nvSpPr>
-        <p:spPr/>
+        <p:spPr>
+          <a:xfrm>
+            <a:off x="1603122" y="1883340"/>
+            <a:ext cx="5937755" cy="1509412"/>
+          </a:xfrm>
+        </p:spPr>
         <p:txBody>
-          <a:bodyPr/>
+          <a:bodyPr>
+            <a:normAutofit lnSpcReduction="10000"/>
+          </a:bodyPr>
           <a:lstStyle/>
           <a:p>
             <a:r>
@@ -8289,7 +8371,12 @@
             <p:ph type="title"/>
           </p:nvPr>
         </p:nvSpPr>
-        <p:spPr/>
+        <p:spPr>
+          <a:xfrm>
+            <a:off x="1606045" y="370332"/>
+            <a:ext cx="5937755" cy="1188720"/>
+          </a:xfrm>
+        </p:spPr>
         <p:txBody>
           <a:bodyPr/>
           <a:lstStyle/>
@@ -8355,7 +8442,12 @@
             <p:ph idx="1"/>
           </p:nvPr>
         </p:nvSpPr>
-        <p:spPr/>
+        <p:spPr>
+          <a:xfrm>
+            <a:off x="1603122" y="1787331"/>
+            <a:ext cx="5937755" cy="1717869"/>
+          </a:xfrm>
+        </p:spPr>
         <p:txBody>
           <a:bodyPr/>
           <a:lstStyle/>
@@ -8442,6 +8534,36 @@
           </a:p>
         </p:txBody>
       </p:sp>
+      <p:pic>
+        <p:nvPicPr>
+          <p:cNvPr id="4" name="Picture 3" descr="A graph of different colored lines&#10;&#10;AI-generated content may be incorrect.">
+            <a:extLst>
+              <a:ext uri="{FF2B5EF4-FFF2-40B4-BE49-F238E27FC236}">
+                <a16:creationId xmlns:a16="http://schemas.microsoft.com/office/drawing/2014/main" id="{DEC388E7-F7D2-9743-0025-7CFA937497D8}"/>
+              </a:ext>
+            </a:extLst>
+          </p:cNvPr>
+          <p:cNvPicPr>
+            <a:picLocks noChangeAspect="1"/>
+          </p:cNvPicPr>
+          <p:nvPr/>
+        </p:nvPicPr>
+        <p:blipFill>
+          <a:blip r:embed="rId2"/>
+          <a:stretch>
+            <a:fillRect/>
+          </a:stretch>
+        </p:blipFill>
+        <p:spPr>
+          <a:xfrm>
+            <a:off x="1956253" y="3505200"/>
+            <a:ext cx="5391605" cy="2908358"/>
+          </a:xfrm>
+          <a:prstGeom prst="rect">
+            <a:avLst/>
+          </a:prstGeom>
+        </p:spPr>
+      </p:pic>
     </p:spTree>
   </p:cSld>
   <p:clrMapOvr>
